--- a/Engine_and_Architecture.pptx
+++ b/Engine_and_Architecture.pptx
@@ -266,7 +266,7 @@
           <a:p>
             <a:fld id="{3DF8958C-151B-4F3A-B6E0-B791EBD77F39}" type="datetimeFigureOut">
               <a:rPr lang="en-GB" smtClean="0"/>
-              <a:t>27/06/2022</a:t>
+              <a:t>27/04/2023</a:t>
             </a:fld>
             <a:endParaRPr lang="en-GB"/>
           </a:p>
@@ -466,7 +466,7 @@
           <a:p>
             <a:fld id="{3DF8958C-151B-4F3A-B6E0-B791EBD77F39}" type="datetimeFigureOut">
               <a:rPr lang="en-GB" smtClean="0"/>
-              <a:t>27/06/2022</a:t>
+              <a:t>27/04/2023</a:t>
             </a:fld>
             <a:endParaRPr lang="en-GB"/>
           </a:p>
@@ -676,7 +676,7 @@
           <a:p>
             <a:fld id="{3DF8958C-151B-4F3A-B6E0-B791EBD77F39}" type="datetimeFigureOut">
               <a:rPr lang="en-GB" smtClean="0"/>
-              <a:t>27/06/2022</a:t>
+              <a:t>27/04/2023</a:t>
             </a:fld>
             <a:endParaRPr lang="en-GB"/>
           </a:p>
@@ -876,7 +876,7 @@
           <a:p>
             <a:fld id="{3DF8958C-151B-4F3A-B6E0-B791EBD77F39}" type="datetimeFigureOut">
               <a:rPr lang="en-GB" smtClean="0"/>
-              <a:t>27/06/2022</a:t>
+              <a:t>27/04/2023</a:t>
             </a:fld>
             <a:endParaRPr lang="en-GB"/>
           </a:p>
@@ -1152,7 +1152,7 @@
           <a:p>
             <a:fld id="{3DF8958C-151B-4F3A-B6E0-B791EBD77F39}" type="datetimeFigureOut">
               <a:rPr lang="en-GB" smtClean="0"/>
-              <a:t>27/06/2022</a:t>
+              <a:t>27/04/2023</a:t>
             </a:fld>
             <a:endParaRPr lang="en-GB"/>
           </a:p>
@@ -1420,7 +1420,7 @@
           <a:p>
             <a:fld id="{3DF8958C-151B-4F3A-B6E0-B791EBD77F39}" type="datetimeFigureOut">
               <a:rPr lang="en-GB" smtClean="0"/>
-              <a:t>27/06/2022</a:t>
+              <a:t>27/04/2023</a:t>
             </a:fld>
             <a:endParaRPr lang="en-GB"/>
           </a:p>
@@ -1835,7 +1835,7 @@
           <a:p>
             <a:fld id="{3DF8958C-151B-4F3A-B6E0-B791EBD77F39}" type="datetimeFigureOut">
               <a:rPr lang="en-GB" smtClean="0"/>
-              <a:t>27/06/2022</a:t>
+              <a:t>27/04/2023</a:t>
             </a:fld>
             <a:endParaRPr lang="en-GB"/>
           </a:p>
@@ -1977,7 +1977,7 @@
           <a:p>
             <a:fld id="{3DF8958C-151B-4F3A-B6E0-B791EBD77F39}" type="datetimeFigureOut">
               <a:rPr lang="en-GB" smtClean="0"/>
-              <a:t>27/06/2022</a:t>
+              <a:t>27/04/2023</a:t>
             </a:fld>
             <a:endParaRPr lang="en-GB"/>
           </a:p>
@@ -2090,7 +2090,7 @@
           <a:p>
             <a:fld id="{3DF8958C-151B-4F3A-B6E0-B791EBD77F39}" type="datetimeFigureOut">
               <a:rPr lang="en-GB" smtClean="0"/>
-              <a:t>27/06/2022</a:t>
+              <a:t>27/04/2023</a:t>
             </a:fld>
             <a:endParaRPr lang="en-GB"/>
           </a:p>
@@ -2403,7 +2403,7 @@
           <a:p>
             <a:fld id="{3DF8958C-151B-4F3A-B6E0-B791EBD77F39}" type="datetimeFigureOut">
               <a:rPr lang="en-GB" smtClean="0"/>
-              <a:t>27/06/2022</a:t>
+              <a:t>27/04/2023</a:t>
             </a:fld>
             <a:endParaRPr lang="en-GB"/>
           </a:p>
@@ -2692,7 +2692,7 @@
           <a:p>
             <a:fld id="{3DF8958C-151B-4F3A-B6E0-B791EBD77F39}" type="datetimeFigureOut">
               <a:rPr lang="en-GB" smtClean="0"/>
-              <a:t>27/06/2022</a:t>
+              <a:t>27/04/2023</a:t>
             </a:fld>
             <a:endParaRPr lang="en-GB"/>
           </a:p>
@@ -2935,7 +2935,7 @@
           <a:p>
             <a:fld id="{3DF8958C-151B-4F3A-B6E0-B791EBD77F39}" type="datetimeFigureOut">
               <a:rPr lang="en-GB" smtClean="0"/>
-              <a:t>27/06/2022</a:t>
+              <a:t>27/04/2023</a:t>
             </a:fld>
             <a:endParaRPr lang="en-GB"/>
           </a:p>
@@ -6736,7 +6736,7 @@
         <p:spPr>
           <a:xfrm>
             <a:off x="491067" y="5544765"/>
-            <a:ext cx="6844374" cy="923330"/>
+            <a:ext cx="6799618" cy="1200329"/>
           </a:xfrm>
           <a:prstGeom prst="rect">
             <a:avLst/>
@@ -6774,6 +6774,12 @@
             <a:r>
               <a:rPr lang="en-GB" i="1" dirty="0"/>
               <a:t>- can send spurious (keyboard/mouse) game specific commands</a:t>
+            </a:r>
+          </a:p>
+          <a:p>
+            <a:r>
+              <a:rPr lang="en-GB" i="1" dirty="0"/>
+              <a:t>- No focus, i.e. no choice of game/application</a:t>
             </a:r>
           </a:p>
         </p:txBody>
@@ -7042,7 +7048,7 @@
             </a:r>
             <a:r>
               <a:rPr lang="en-GB" i="1" dirty="0"/>
-              <a:t> as USB HID device</a:t>
+              <a:t> as USB HID device (requires jailbreak)</a:t>
             </a:r>
             <a:endParaRPr lang="en-GB" dirty="0"/>
           </a:p>
@@ -7057,7 +7063,11 @@
             </a:r>
             <a:r>
               <a:rPr lang="en-GB" i="1" dirty="0"/>
-              <a:t> HID device possible</a:t>
+              <a:t> with/without being </a:t>
+            </a:r>
+            <a:r>
+              <a:rPr lang="en-GB" i="1"/>
+              <a:t>HID device</a:t>
             </a:r>
             <a:endParaRPr lang="en-GB" dirty="0"/>
           </a:p>
